--- a/ppts/001_Getting_Started_with_PsychoPy.pptx
+++ b/ppts/001_Getting_Started_with_PsychoPy.pptx
@@ -266,7 +266,7 @@
       <p15:sldGuideLst xmlns:p15="http://schemas.microsoft.com/office/powerpoint/2012/main"/>
     </p:ext>
     <p:ext uri="http://customooxmlschemas.google.com/">
-      <go:slidesCustomData xmlns:go="http://customooxmlschemas.google.com/" xmlns:ahyp="http://schemas.microsoft.com/office/drawing/2018/hyperlinkcolor" xmlns:p15="http://schemas.microsoft.com/office/powerpoint/2012/main" xmlns:p14="http://schemas.microsoft.com/office/powerpoint/2010/main" xmlns:com="http://schemas.openxmlformats.org/drawingml/2006/compatibility" xmlns:pvml="urn:schemas-microsoft-com:office:powerpoint" xmlns:v="urn:schemas-microsoft-com:vml" xmlns:o="urn:schemas-microsoft-com:office:office" xmlns:dgm="http://schemas.openxmlformats.org/drawingml/2006/diagram" xmlns:c="http://schemas.openxmlformats.org/drawingml/2006/chart" xmlns:mv="urn:schemas-microsoft-com:mac:vml" xmlns:mc="http://schemas.openxmlformats.org/markup-compatibility/2006" xmlns="" r:id="rId26" roundtripDataSignature="AMtx7mg5eiJlgYI74RTvMFVzbSnbY++9eg=="/>
+      <go:slidesCustomData xmlns="" xmlns:mc="http://schemas.openxmlformats.org/markup-compatibility/2006" xmlns:mv="urn:schemas-microsoft-com:mac:vml" xmlns:c="http://schemas.openxmlformats.org/drawingml/2006/chart" xmlns:dgm="http://schemas.openxmlformats.org/drawingml/2006/diagram" xmlns:o="urn:schemas-microsoft-com:office:office" xmlns:v="urn:schemas-microsoft-com:vml" xmlns:pvml="urn:schemas-microsoft-com:office:powerpoint" xmlns:com="http://schemas.openxmlformats.org/drawingml/2006/compatibility" xmlns:p14="http://schemas.microsoft.com/office/powerpoint/2010/main" xmlns:p15="http://schemas.microsoft.com/office/powerpoint/2012/main" xmlns:ahyp="http://schemas.microsoft.com/office/drawing/2018/hyperlinkcolor" xmlns:go="http://customooxmlschemas.google.com/" r:id="rId26" roundtripDataSignature="AMtx7mg5eiJlgYI74RTvMFVzbSnbY++9eg=="/>
     </p:ext>
   </p:extLst>
 </p:presentation>
@@ -19669,10 +19669,10 @@
               <a:buNone/>
             </a:pPr>
             <a:r>
-              <a:rPr lang="en-GB" sz="3600"/>
+              <a:rPr lang="en-GB" sz="3600" dirty="0"/>
               <a:t>Component properties (Basic)</a:t>
             </a:r>
-            <a:endParaRPr/>
+            <a:endParaRPr dirty="0"/>
           </a:p>
         </p:txBody>
       </p:sp>
@@ -20992,9 +20992,13 @@
             </a:pPr>
             <a:r>
               <a:rPr lang="en-GB" dirty="0"/>
-              <a:t>Everything requires a unique name</a:t>
+              <a:t>Everything requires a </a:t>
             </a:r>
-            <a:endParaRPr dirty="0"/>
+            <a:r>
+              <a:rPr lang="en-GB" b="1" dirty="0"/>
+              <a:t>unique name</a:t>
+            </a:r>
+            <a:endParaRPr b="1" dirty="0"/>
           </a:p>
           <a:p>
             <a:pPr marL="228600" lvl="0" indent="-228600" algn="l" rtl="0">
